--- a/src/main/resources/кирильчик алексей 2б.pptx
+++ b/src/main/resources/кирильчик алексей 2б.pptx
@@ -7,9 +7,10 @@
   <p:sldIdLst>
     <p:sldId id="256" r:id="rId2"/>
     <p:sldId id="257" r:id="rId3"/>
-    <p:sldId id="259" r:id="rId4"/>
-    <p:sldId id="258" r:id="rId5"/>
+    <p:sldId id="258" r:id="rId4"/>
+    <p:sldId id="259" r:id="rId5"/>
     <p:sldId id="260" r:id="rId6"/>
+    <p:sldId id="261" r:id="rId7"/>
   </p:sldIdLst>
   <p:sldSz cx="12192000" cy="6858000"/>
   <p:notesSz cx="6858000" cy="9144000"/>
@@ -108,6 +109,11 @@
       </a:defRPr>
     </a:lvl9pPr>
   </p:defaultTextStyle>
+  <p:extLst>
+    <p:ext uri="{EFAFB233-063F-42B5-8137-9DF3F51BA10A}">
+      <p15:sldGuideLst xmlns:p15="http://schemas.microsoft.com/office/powerpoint/2012/main"/>
+    </p:ext>
+  </p:extLst>
 </p:presentation>
 </file>
 
@@ -258,7 +264,7 @@
           <a:p>
             <a:fld id="{DFEFBA93-02E7-4522-8B68-6BCC07565850}" type="datetimeFigureOut">
               <a:rPr lang="ru-RU" smtClean="0"/>
-              <a:t>22.04.2025</a:t>
+              <a:t>23.04.2025</a:t>
             </a:fld>
             <a:endParaRPr lang="ru-RU"/>
           </a:p>
@@ -456,7 +462,7 @@
           <a:p>
             <a:fld id="{DFEFBA93-02E7-4522-8B68-6BCC07565850}" type="datetimeFigureOut">
               <a:rPr lang="ru-RU" smtClean="0"/>
-              <a:t>22.04.2025</a:t>
+              <a:t>23.04.2025</a:t>
             </a:fld>
             <a:endParaRPr lang="ru-RU"/>
           </a:p>
@@ -664,7 +670,7 @@
           <a:p>
             <a:fld id="{DFEFBA93-02E7-4522-8B68-6BCC07565850}" type="datetimeFigureOut">
               <a:rPr lang="ru-RU" smtClean="0"/>
-              <a:t>22.04.2025</a:t>
+              <a:t>23.04.2025</a:t>
             </a:fld>
             <a:endParaRPr lang="ru-RU"/>
           </a:p>
@@ -862,7 +868,7 @@
           <a:p>
             <a:fld id="{DFEFBA93-02E7-4522-8B68-6BCC07565850}" type="datetimeFigureOut">
               <a:rPr lang="ru-RU" smtClean="0"/>
-              <a:t>22.04.2025</a:t>
+              <a:t>23.04.2025</a:t>
             </a:fld>
             <a:endParaRPr lang="ru-RU"/>
           </a:p>
@@ -1137,7 +1143,7 @@
           <a:p>
             <a:fld id="{DFEFBA93-02E7-4522-8B68-6BCC07565850}" type="datetimeFigureOut">
               <a:rPr lang="ru-RU" smtClean="0"/>
-              <a:t>22.04.2025</a:t>
+              <a:t>23.04.2025</a:t>
             </a:fld>
             <a:endParaRPr lang="ru-RU"/>
           </a:p>
@@ -1402,7 +1408,7 @@
           <a:p>
             <a:fld id="{DFEFBA93-02E7-4522-8B68-6BCC07565850}" type="datetimeFigureOut">
               <a:rPr lang="ru-RU" smtClean="0"/>
-              <a:t>22.04.2025</a:t>
+              <a:t>23.04.2025</a:t>
             </a:fld>
             <a:endParaRPr lang="ru-RU"/>
           </a:p>
@@ -1814,7 +1820,7 @@
           <a:p>
             <a:fld id="{DFEFBA93-02E7-4522-8B68-6BCC07565850}" type="datetimeFigureOut">
               <a:rPr lang="ru-RU" smtClean="0"/>
-              <a:t>22.04.2025</a:t>
+              <a:t>23.04.2025</a:t>
             </a:fld>
             <a:endParaRPr lang="ru-RU"/>
           </a:p>
@@ -1955,7 +1961,7 @@
           <a:p>
             <a:fld id="{DFEFBA93-02E7-4522-8B68-6BCC07565850}" type="datetimeFigureOut">
               <a:rPr lang="ru-RU" smtClean="0"/>
-              <a:t>22.04.2025</a:t>
+              <a:t>23.04.2025</a:t>
             </a:fld>
             <a:endParaRPr lang="ru-RU"/>
           </a:p>
@@ -2068,7 +2074,7 @@
           <a:p>
             <a:fld id="{DFEFBA93-02E7-4522-8B68-6BCC07565850}" type="datetimeFigureOut">
               <a:rPr lang="ru-RU" smtClean="0"/>
-              <a:t>22.04.2025</a:t>
+              <a:t>23.04.2025</a:t>
             </a:fld>
             <a:endParaRPr lang="ru-RU"/>
           </a:p>
@@ -2379,7 +2385,7 @@
           <a:p>
             <a:fld id="{DFEFBA93-02E7-4522-8B68-6BCC07565850}" type="datetimeFigureOut">
               <a:rPr lang="ru-RU" smtClean="0"/>
-              <a:t>22.04.2025</a:t>
+              <a:t>23.04.2025</a:t>
             </a:fld>
             <a:endParaRPr lang="ru-RU"/>
           </a:p>
@@ -2667,7 +2673,7 @@
           <a:p>
             <a:fld id="{DFEFBA93-02E7-4522-8B68-6BCC07565850}" type="datetimeFigureOut">
               <a:rPr lang="ru-RU" smtClean="0"/>
-              <a:t>22.04.2025</a:t>
+              <a:t>23.04.2025</a:t>
             </a:fld>
             <a:endParaRPr lang="ru-RU"/>
           </a:p>
@@ -2908,7 +2914,7 @@
           <a:p>
             <a:fld id="{DFEFBA93-02E7-4522-8B68-6BCC07565850}" type="datetimeFigureOut">
               <a:rPr lang="ru-RU" smtClean="0"/>
-              <a:t>22.04.2025</a:t>
+              <a:t>23.04.2025</a:t>
             </a:fld>
             <a:endParaRPr lang="ru-RU"/>
           </a:p>
@@ -3453,7 +3459,7 @@
             </a:r>
             <a:r>
               <a:rPr lang="ru-RU" dirty="0"/>
-              <a:t>Ее подарили французы в честь мира между двумя странами.</a:t>
+              <a:t> Ее подарили французы в честь мира между двумя странами.</a:t>
             </a:r>
           </a:p>
           <a:p>
@@ -3477,20 +3483,6 @@
 <file path=ppt/slides/slide3.xml><?xml version="1.0" encoding="utf-8"?>
 <p:sld xmlns:a="http://schemas.openxmlformats.org/drawingml/2006/main" xmlns:r="http://schemas.openxmlformats.org/officeDocument/2006/relationships" xmlns:p="http://schemas.openxmlformats.org/presentationml/2006/main">
   <p:cSld>
-    <p:bg>
-      <p:bgPr>
-        <a:blipFill dpi="0" rotWithShape="1">
-          <a:blip r:embed="rId2">
-            <a:lum/>
-          </a:blip>
-          <a:srcRect/>
-          <a:stretch>
-            <a:fillRect t="-7000" b="-7000"/>
-          </a:stretch>
-        </a:blipFill>
-        <a:effectLst/>
-      </p:bgPr>
-    </p:bg>
     <p:spTree>
       <p:nvGrpSpPr>
         <p:cNvPr id="1" name=""/>
@@ -3505,43 +3497,12 @@
           <a:chExt cx="0" cy="0"/>
         </a:xfrm>
       </p:grpSpPr>
-      <p:sp>
-        <p:nvSpPr>
-          <p:cNvPr id="4" name="Объект 3">
-            <a:extLst>
-              <a:ext uri="{FF2B5EF4-FFF2-40B4-BE49-F238E27FC236}">
-                <a16:creationId xmlns:a16="http://schemas.microsoft.com/office/drawing/2014/main" id="{174621AE-DDD2-4F38-8D19-771D246A7160}"/>
-              </a:ext>
-            </a:extLst>
-          </p:cNvPr>
-          <p:cNvSpPr>
-            <a:spLocks noGrp="1"/>
-          </p:cNvSpPr>
-          <p:nvPr>
-            <p:ph idx="1"/>
-          </p:nvPr>
-        </p:nvSpPr>
-        <p:spPr/>
-        <p:txBody>
-          <a:bodyPr/>
-          <a:lstStyle/>
-          <a:p>
-            <a:pPr marL="0" indent="0">
-              <a:buNone/>
-            </a:pPr>
-            <a:r>
-              <a:rPr lang="ru-RU" dirty="0"/>
-              <a:t>официальный язык английский</a:t>
-            </a:r>
-          </a:p>
-        </p:txBody>
-      </p:sp>
       <p:pic>
         <p:nvPicPr>
-          <p:cNvPr id="6" name="Рисунок 5">
-            <a:extLst>
-              <a:ext uri="{FF2B5EF4-FFF2-40B4-BE49-F238E27FC236}">
-                <a16:creationId xmlns:a16="http://schemas.microsoft.com/office/drawing/2014/main" id="{03155883-6143-43AE-8146-D2A0A3BC358C}"/>
+          <p:cNvPr id="11" name="Рисунок 10">
+            <a:extLst>
+              <a:ext uri="{FF2B5EF4-FFF2-40B4-BE49-F238E27FC236}">
+                <a16:creationId xmlns:a16="http://schemas.microsoft.com/office/drawing/2014/main" id="{ADDD8F3E-941D-422E-8950-7B87111E0718}"/>
               </a:ext>
             </a:extLst>
           </p:cNvPr>
@@ -3551,25 +3512,256 @@
           <p:nvPr/>
         </p:nvPicPr>
         <p:blipFill>
-          <a:blip r:embed="rId3"/>
+          <a:blip r:embed="rId2"/>
           <a:stretch>
             <a:fillRect/>
           </a:stretch>
         </p:blipFill>
         <p:spPr>
           <a:xfrm>
-            <a:off x="708529" y="2248520"/>
-            <a:ext cx="8053514" cy="749873"/>
+            <a:off x="-1" y="1970315"/>
+            <a:ext cx="12289971" cy="4887686"/>
           </a:xfrm>
           <a:prstGeom prst="rect">
             <a:avLst/>
           </a:prstGeom>
+          <a:solidFill>
+            <a:srgbClr val="FF0000"/>
+          </a:solidFill>
         </p:spPr>
       </p:pic>
+      <p:sp>
+        <p:nvSpPr>
+          <p:cNvPr id="6" name="Заголовок 5">
+            <a:extLst>
+              <a:ext uri="{FF2B5EF4-FFF2-40B4-BE49-F238E27FC236}">
+                <a16:creationId xmlns:a16="http://schemas.microsoft.com/office/drawing/2014/main" id="{8F8BC995-A9EE-40B0-963E-2CE292019069}"/>
+              </a:ext>
+            </a:extLst>
+          </p:cNvPr>
+          <p:cNvSpPr>
+            <a:spLocks noGrp="1"/>
+          </p:cNvSpPr>
+          <p:nvPr>
+            <p:ph type="title"/>
+          </p:nvPr>
+        </p:nvSpPr>
+        <p:spPr>
+          <a:xfrm>
+            <a:off x="838200" y="681037"/>
+            <a:ext cx="10515600" cy="1009651"/>
+          </a:xfrm>
+        </p:spPr>
+        <p:txBody>
+          <a:bodyPr>
+            <a:normAutofit fontScale="90000"/>
+          </a:bodyPr>
+          <a:lstStyle/>
+          <a:p>
+            <a:r>
+              <a:rPr lang="ru-RU" dirty="0">
+                <a:solidFill>
+                  <a:schemeClr val="accent1">
+                    <a:lumMod val="75000"/>
+                  </a:schemeClr>
+                </a:solidFill>
+              </a:rPr>
+              <a:t>В США 50-51 штатов.</a:t>
+            </a:r>
+            <a:br>
+              <a:rPr lang="ru-RU" dirty="0">
+                <a:solidFill>
+                  <a:schemeClr val="accent1">
+                    <a:lumMod val="75000"/>
+                  </a:schemeClr>
+                </a:solidFill>
+              </a:rPr>
+            </a:br>
+            <a:r>
+              <a:rPr lang="ru-RU" dirty="0">
+                <a:solidFill>
+                  <a:schemeClr val="accent1">
+                    <a:lumMod val="75000"/>
+                  </a:schemeClr>
+                </a:solidFill>
+              </a:rPr>
+              <a:t> самый большой штат США – Аляска. Она составляет 1 723 337 квадратных км.</a:t>
+            </a:r>
+          </a:p>
+        </p:txBody>
+      </p:sp>
+      <p:sp>
+        <p:nvSpPr>
+          <p:cNvPr id="4" name="Объект 3">
+            <a:extLst>
+              <a:ext uri="{FF2B5EF4-FFF2-40B4-BE49-F238E27FC236}">
+                <a16:creationId xmlns:a16="http://schemas.microsoft.com/office/drawing/2014/main" id="{21B3A1E8-6ACF-4AA6-86F2-5820B7EE5FD6}"/>
+              </a:ext>
+            </a:extLst>
+          </p:cNvPr>
+          <p:cNvSpPr>
+            <a:spLocks noGrp="1"/>
+          </p:cNvSpPr>
+          <p:nvPr>
+            <p:ph idx="1"/>
+          </p:nvPr>
+        </p:nvSpPr>
+        <p:spPr>
+          <a:xfrm>
+            <a:off x="838200" y="2079171"/>
+            <a:ext cx="10515600" cy="4097792"/>
+          </a:xfrm>
+        </p:spPr>
+        <p:txBody>
+          <a:bodyPr/>
+          <a:lstStyle/>
+          <a:p>
+            <a:endParaRPr lang="ru-RU" dirty="0"/>
+          </a:p>
+          <a:p>
+            <a:endParaRPr lang="ru-RU" dirty="0"/>
+          </a:p>
+        </p:txBody>
+      </p:sp>
+      <p:sp>
+        <p:nvSpPr>
+          <p:cNvPr id="8" name="AutoShape 2" descr="Штаты США | Энциклопедия США">
+            <a:extLst>
+              <a:ext uri="{FF2B5EF4-FFF2-40B4-BE49-F238E27FC236}">
+                <a16:creationId xmlns:a16="http://schemas.microsoft.com/office/drawing/2014/main" id="{A01C6711-5BD7-431F-B69E-4C12818D2ACC}"/>
+              </a:ext>
+            </a:extLst>
+          </p:cNvPr>
+          <p:cNvSpPr>
+            <a:spLocks noChangeAspect="1" noChangeArrowheads="1"/>
+          </p:cNvSpPr>
+          <p:nvPr/>
+        </p:nvSpPr>
+        <p:spPr bwMode="auto">
+          <a:xfrm>
+            <a:off x="5943600" y="3276600"/>
+            <a:ext cx="304800" cy="304800"/>
+          </a:xfrm>
+          <a:prstGeom prst="rect">
+            <a:avLst/>
+          </a:prstGeom>
+          <a:noFill/>
+          <a:extLst>
+            <a:ext uri="{909E8E84-426E-40DD-AFC4-6F175D3DCCD1}">
+              <a14:hiddenFill xmlns:a14="http://schemas.microsoft.com/office/drawing/2010/main">
+                <a:solidFill>
+                  <a:srgbClr val="FFFFFF"/>
+                </a:solidFill>
+              </a14:hiddenFill>
+            </a:ext>
+          </a:extLst>
+        </p:spPr>
+        <p:txBody>
+          <a:bodyPr vert="horz" wrap="square" lIns="91440" tIns="45720" rIns="91440" bIns="45720" numCol="1" anchor="t" anchorCtr="0" compatLnSpc="1">
+            <a:prstTxWarp prst="textNoShape">
+              <a:avLst/>
+            </a:prstTxWarp>
+          </a:bodyPr>
+          <a:lstStyle/>
+          <a:p>
+            <a:endParaRPr lang="ru-RU"/>
+          </a:p>
+        </p:txBody>
+      </p:sp>
+      <p:sp>
+        <p:nvSpPr>
+          <p:cNvPr id="12" name="AutoShape 8" descr="Штаты США | Энциклопедия США">
+            <a:extLst>
+              <a:ext uri="{FF2B5EF4-FFF2-40B4-BE49-F238E27FC236}">
+                <a16:creationId xmlns:a16="http://schemas.microsoft.com/office/drawing/2014/main" id="{57CCADCD-1EA9-4FC9-AF2F-7017F48076F6}"/>
+              </a:ext>
+            </a:extLst>
+          </p:cNvPr>
+          <p:cNvSpPr>
+            <a:spLocks noChangeAspect="1" noChangeArrowheads="1"/>
+          </p:cNvSpPr>
+          <p:nvPr/>
+        </p:nvSpPr>
+        <p:spPr bwMode="auto">
+          <a:xfrm>
+            <a:off x="6096000" y="3429000"/>
+            <a:ext cx="304800" cy="304800"/>
+          </a:xfrm>
+          <a:prstGeom prst="rect">
+            <a:avLst/>
+          </a:prstGeom>
+          <a:noFill/>
+          <a:extLst>
+            <a:ext uri="{909E8E84-426E-40DD-AFC4-6F175D3DCCD1}">
+              <a14:hiddenFill xmlns:a14="http://schemas.microsoft.com/office/drawing/2010/main">
+                <a:solidFill>
+                  <a:srgbClr val="FFFFFF"/>
+                </a:solidFill>
+              </a14:hiddenFill>
+            </a:ext>
+          </a:extLst>
+        </p:spPr>
+        <p:txBody>
+          <a:bodyPr vert="horz" wrap="square" lIns="91440" tIns="45720" rIns="91440" bIns="45720" numCol="1" anchor="t" anchorCtr="0" compatLnSpc="1">
+            <a:prstTxWarp prst="textNoShape">
+              <a:avLst/>
+            </a:prstTxWarp>
+          </a:bodyPr>
+          <a:lstStyle/>
+          <a:p>
+            <a:endParaRPr lang="ru-RU"/>
+          </a:p>
+        </p:txBody>
+      </p:sp>
+      <p:sp>
+        <p:nvSpPr>
+          <p:cNvPr id="13" name="AutoShape 10" descr="Штаты США | Энциклопедия США">
+            <a:extLst>
+              <a:ext uri="{FF2B5EF4-FFF2-40B4-BE49-F238E27FC236}">
+                <a16:creationId xmlns:a16="http://schemas.microsoft.com/office/drawing/2014/main" id="{145572F7-193C-44E1-ADA9-548BCD5E8E55}"/>
+              </a:ext>
+            </a:extLst>
+          </p:cNvPr>
+          <p:cNvSpPr>
+            <a:spLocks noChangeAspect="1" noChangeArrowheads="1"/>
+          </p:cNvSpPr>
+          <p:nvPr/>
+        </p:nvSpPr>
+        <p:spPr bwMode="auto">
+          <a:xfrm>
+            <a:off x="6248400" y="3581400"/>
+            <a:ext cx="304800" cy="304800"/>
+          </a:xfrm>
+          <a:prstGeom prst="rect">
+            <a:avLst/>
+          </a:prstGeom>
+          <a:noFill/>
+          <a:extLst>
+            <a:ext uri="{909E8E84-426E-40DD-AFC4-6F175D3DCCD1}">
+              <a14:hiddenFill xmlns:a14="http://schemas.microsoft.com/office/drawing/2010/main">
+                <a:solidFill>
+                  <a:srgbClr val="FFFFFF"/>
+                </a:solidFill>
+              </a14:hiddenFill>
+            </a:ext>
+          </a:extLst>
+        </p:spPr>
+        <p:txBody>
+          <a:bodyPr vert="horz" wrap="square" lIns="91440" tIns="45720" rIns="91440" bIns="45720" numCol="1" anchor="t" anchorCtr="0" compatLnSpc="1">
+            <a:prstTxWarp prst="textNoShape">
+              <a:avLst/>
+            </a:prstTxWarp>
+          </a:bodyPr>
+          <a:lstStyle/>
+          <a:p>
+            <a:endParaRPr lang="ru-RU"/>
+          </a:p>
+        </p:txBody>
+      </p:sp>
     </p:spTree>
     <p:extLst>
       <p:ext uri="{BB962C8B-B14F-4D97-AF65-F5344CB8AC3E}">
-        <p14:creationId xmlns:p14="http://schemas.microsoft.com/office/powerpoint/2010/main" val="2187472267"/>
+        <p14:creationId xmlns:p14="http://schemas.microsoft.com/office/powerpoint/2010/main" val="2731384465"/>
       </p:ext>
     </p:extLst>
   </p:cSld>
@@ -3582,20 +3774,6 @@
 <file path=ppt/slides/slide4.xml><?xml version="1.0" encoding="utf-8"?>
 <p:sld xmlns:a="http://schemas.openxmlformats.org/drawingml/2006/main" xmlns:r="http://schemas.openxmlformats.org/officeDocument/2006/relationships" xmlns:p="http://schemas.openxmlformats.org/presentationml/2006/main">
   <p:cSld>
-    <p:bg>
-      <p:bgPr>
-        <a:blipFill dpi="0" rotWithShape="1">
-          <a:blip r:embed="rId2">
-            <a:lum/>
-          </a:blip>
-          <a:srcRect/>
-          <a:stretch>
-            <a:fillRect/>
-          </a:stretch>
-        </a:blipFill>
-        <a:effectLst/>
-      </p:bgPr>
-    </p:bg>
     <p:spTree>
       <p:nvGrpSpPr>
         <p:cNvPr id="1" name=""/>
@@ -3610,12 +3788,59 @@
           <a:chExt cx="0" cy="0"/>
         </a:xfrm>
       </p:grpSpPr>
+      <p:pic>
+        <p:nvPicPr>
+          <p:cNvPr id="3078" name="Picture 6" descr="Плотность населения США по штатам и округам | Мир ...">
+            <a:extLst>
+              <a:ext uri="{FF2B5EF4-FFF2-40B4-BE49-F238E27FC236}">
+                <a16:creationId xmlns:a16="http://schemas.microsoft.com/office/drawing/2014/main" id="{6F9D5629-1BDC-47E0-937E-ABDF4AAB04A8}"/>
+              </a:ext>
+            </a:extLst>
+          </p:cNvPr>
+          <p:cNvPicPr>
+            <a:picLocks noChangeAspect="1" noChangeArrowheads="1"/>
+          </p:cNvPicPr>
+          <p:nvPr/>
+        </p:nvPicPr>
+        <p:blipFill>
+          <a:blip r:embed="rId2">
+            <a:extLst>
+              <a:ext uri="{28A0092B-C50C-407E-A947-70E740481C1C}">
+                <a14:useLocalDpi xmlns:a14="http://schemas.microsoft.com/office/drawing/2010/main" val="0"/>
+              </a:ext>
+            </a:extLst>
+          </a:blip>
+          <a:srcRect/>
+          <a:stretch>
+            <a:fillRect/>
+          </a:stretch>
+        </p:blipFill>
+        <p:spPr bwMode="auto">
+          <a:xfrm>
+            <a:off x="838200" y="1690688"/>
+            <a:ext cx="10515600" cy="4486274"/>
+          </a:xfrm>
+          <a:prstGeom prst="rect">
+            <a:avLst/>
+          </a:prstGeom>
+          <a:noFill/>
+          <a:extLst>
+            <a:ext uri="{909E8E84-426E-40DD-AFC4-6F175D3DCCD1}">
+              <a14:hiddenFill xmlns:a14="http://schemas.microsoft.com/office/drawing/2010/main">
+                <a:solidFill>
+                  <a:srgbClr val="FFFFFF"/>
+                </a:solidFill>
+              </a14:hiddenFill>
+            </a:ext>
+          </a:extLst>
+        </p:spPr>
+      </p:pic>
       <p:sp>
         <p:nvSpPr>
           <p:cNvPr id="2" name="Заголовок 1">
             <a:extLst>
               <a:ext uri="{FF2B5EF4-FFF2-40B4-BE49-F238E27FC236}">
-                <a16:creationId xmlns:a16="http://schemas.microsoft.com/office/drawing/2014/main" id="{62BB9F2A-9170-4807-BBC8-3B4271D36E91}"/>
+                <a16:creationId xmlns:a16="http://schemas.microsoft.com/office/drawing/2014/main" id="{FDD5D936-5BE9-4259-A7FB-4D371671EEBF}"/>
               </a:ext>
             </a:extLst>
           </p:cNvPr>
@@ -3628,70 +3853,26 @@
         </p:nvSpPr>
         <p:spPr/>
         <p:txBody>
-          <a:bodyPr/>
-          <a:lstStyle/>
-          <a:p>
+          <a:bodyPr>
+            <a:normAutofit fontScale="90000"/>
+          </a:bodyPr>
+          <a:lstStyle/>
+          <a:p>
+            <a:r>
+              <a:rPr lang="ru-RU" dirty="0"/>
+              <a:t>2 место составляет Техас его, площадь составляет 695 662 квадратных км.</a:t>
+            </a:r>
+            <a:br>
+              <a:rPr lang="ru-RU" dirty="0"/>
+            </a:br>
             <a:endParaRPr lang="ru-RU" dirty="0"/>
-          </a:p>
-        </p:txBody>
-      </p:sp>
-      <p:sp>
-        <p:nvSpPr>
-          <p:cNvPr id="3" name="Объект 2">
-            <a:extLst>
-              <a:ext uri="{FF2B5EF4-FFF2-40B4-BE49-F238E27FC236}">
-                <a16:creationId xmlns:a16="http://schemas.microsoft.com/office/drawing/2014/main" id="{9832C00A-0863-4F42-BB5D-0EF2CC897AA2}"/>
-              </a:ext>
-            </a:extLst>
-          </p:cNvPr>
-          <p:cNvSpPr>
-            <a:spLocks noGrp="1"/>
-          </p:cNvSpPr>
-          <p:nvPr>
-            <p:ph idx="1"/>
-          </p:nvPr>
-        </p:nvSpPr>
-        <p:spPr/>
-        <p:txBody>
-          <a:bodyPr/>
-          <a:lstStyle/>
-          <a:p>
-            <a:pPr marL="0" indent="0">
-              <a:buNone/>
-            </a:pPr>
-            <a:r>
-              <a:rPr lang="ru-RU" dirty="0">
-                <a:solidFill>
-                  <a:schemeClr val="bg1"/>
-                </a:solidFill>
-              </a:rPr>
-              <a:t>Грант каньон один из самых больших каньон в мире,</a:t>
-            </a:r>
-          </a:p>
-          <a:p>
-            <a:pPr marL="0" indent="0">
-              <a:buNone/>
-            </a:pPr>
-            <a:r>
-              <a:rPr lang="ru-RU" dirty="0">
-                <a:solidFill>
-                  <a:schemeClr val="bg1"/>
-                </a:solidFill>
-              </a:rPr>
-              <a:t>Его длинна составляет 446 км.</a:t>
-            </a:r>
-            <a:endParaRPr lang="en-US" dirty="0">
-              <a:solidFill>
-                <a:schemeClr val="bg1"/>
-              </a:solidFill>
-            </a:endParaRPr>
           </a:p>
         </p:txBody>
       </p:sp>
     </p:spTree>
     <p:extLst>
       <p:ext uri="{BB962C8B-B14F-4D97-AF65-F5344CB8AC3E}">
-        <p14:creationId xmlns:p14="http://schemas.microsoft.com/office/powerpoint/2010/main" val="2948985953"/>
+        <p14:creationId xmlns:p14="http://schemas.microsoft.com/office/powerpoint/2010/main" val="2723612772"/>
       </p:ext>
     </p:extLst>
   </p:cSld>
@@ -3723,7 +3904,7 @@
           <p:cNvPr id="2" name="Заголовок 1">
             <a:extLst>
               <a:ext uri="{FF2B5EF4-FFF2-40B4-BE49-F238E27FC236}">
-                <a16:creationId xmlns:a16="http://schemas.microsoft.com/office/drawing/2014/main" id="{62BB9F2A-9170-4807-BBC8-3B4271D36E91}"/>
+                <a16:creationId xmlns:a16="http://schemas.microsoft.com/office/drawing/2014/main" id="{243B0EF4-81CB-4732-8544-AF0DBD1016D2}"/>
               </a:ext>
             </a:extLst>
           </p:cNvPr>
@@ -3741,92 +3922,199 @@
           <a:p>
             <a:r>
               <a:rPr lang="ru-RU" dirty="0"/>
-              <a:t>                                   конец</a:t>
-            </a:r>
-          </a:p>
-        </p:txBody>
-      </p:sp>
-      <p:sp>
-        <p:nvSpPr>
-          <p:cNvPr id="3" name="Объект 2">
-            <a:extLst>
-              <a:ext uri="{FF2B5EF4-FFF2-40B4-BE49-F238E27FC236}">
-                <a16:creationId xmlns:a16="http://schemas.microsoft.com/office/drawing/2014/main" id="{9832C00A-0863-4F42-BB5D-0EF2CC897AA2}"/>
-              </a:ext>
-            </a:extLst>
-          </p:cNvPr>
-          <p:cNvSpPr>
-            <a:spLocks noGrp="1"/>
-          </p:cNvSpPr>
+              <a:t>3 место занимает Калифорния её площадь составляет 423 967 квадратных км.</a:t>
+            </a:r>
+          </a:p>
+        </p:txBody>
+      </p:sp>
+      <p:pic>
+        <p:nvPicPr>
+          <p:cNvPr id="4098" name="Picture 2" descr="Map of United States">
+            <a:extLst>
+              <a:ext uri="{FF2B5EF4-FFF2-40B4-BE49-F238E27FC236}">
+                <a16:creationId xmlns:a16="http://schemas.microsoft.com/office/drawing/2014/main" id="{F02478ED-C7F8-42B9-8C06-9953775FC79C}"/>
+              </a:ext>
+            </a:extLst>
+          </p:cNvPr>
+          <p:cNvPicPr>
+            <a:picLocks noGrp="1" noChangeAspect="1" noChangeArrowheads="1"/>
+          </p:cNvPicPr>
           <p:nvPr>
             <p:ph idx="1"/>
           </p:nvPr>
-        </p:nvSpPr>
-        <p:spPr/>
-        <p:txBody>
-          <a:bodyPr/>
-          <a:lstStyle/>
-          <a:p>
-            <a:endParaRPr lang="ru-RU" dirty="0"/>
-          </a:p>
-        </p:txBody>
-      </p:sp>
-      <p:sp>
-        <p:nvSpPr>
-          <p:cNvPr id="5" name="TextBox 4">
-            <a:extLst>
-              <a:ext uri="{FF2B5EF4-FFF2-40B4-BE49-F238E27FC236}">
-                <a16:creationId xmlns:a16="http://schemas.microsoft.com/office/drawing/2014/main" id="{2004C307-04BF-462B-9B65-5C4F93EC1583}"/>
-              </a:ext>
-            </a:extLst>
-          </p:cNvPr>
-          <p:cNvSpPr txBox="1"/>
-          <p:nvPr/>
-        </p:nvSpPr>
-        <p:spPr>
+        </p:nvPicPr>
+        <p:blipFill>
+          <a:blip r:embed="rId2">
+            <a:extLst>
+              <a:ext uri="{28A0092B-C50C-407E-A947-70E740481C1C}">
+                <a14:useLocalDpi xmlns:a14="http://schemas.microsoft.com/office/drawing/2010/main" val="0"/>
+              </a:ext>
+            </a:extLst>
+          </a:blip>
+          <a:srcRect/>
+          <a:stretch>
+            <a:fillRect/>
+          </a:stretch>
+        </p:blipFill>
+        <p:spPr bwMode="auto">
           <a:xfrm>
-            <a:off x="2211711" y="3763536"/>
-            <a:ext cx="7477760" cy="646331"/>
+            <a:off x="-1" y="1825624"/>
+            <a:ext cx="12192001" cy="5032376"/>
           </a:xfrm>
           <a:prstGeom prst="rect">
             <a:avLst/>
           </a:prstGeom>
           <a:noFill/>
+          <a:extLst>
+            <a:ext uri="{909E8E84-426E-40DD-AFC4-6F175D3DCCD1}">
+              <a14:hiddenFill xmlns:a14="http://schemas.microsoft.com/office/drawing/2010/main">
+                <a:solidFill>
+                  <a:srgbClr val="FFFFFF"/>
+                </a:solidFill>
+              </a14:hiddenFill>
+            </a:ext>
+          </a:extLst>
         </p:spPr>
-        <p:txBody>
-          <a:bodyPr wrap="square">
-            <a:spAutoFit/>
-          </a:bodyPr>
-          <a:lstStyle/>
-          <a:p>
-            <a:r>
-              <a:rPr lang="ru-RU" dirty="0">
-                <a:solidFill>
-                  <a:schemeClr val="bg1"/>
-                </a:solidFill>
-              </a:rPr>
-              <a:t>В США основных жителей 340 миллионов человек</a:t>
-            </a:r>
-          </a:p>
-          <a:p>
-            <a:pPr marL="0" indent="0">
-              <a:buNone/>
-            </a:pPr>
-            <a:r>
-              <a:rPr lang="ru-RU" dirty="0">
-                <a:solidFill>
-                  <a:schemeClr val="bg1"/>
-                </a:solidFill>
-              </a:rPr>
-              <a:t>В США основных жителей 340 миллионов человек</a:t>
-            </a:r>
-          </a:p>
-        </p:txBody>
-      </p:sp>
+      </p:pic>
     </p:spTree>
     <p:extLst>
       <p:ext uri="{BB962C8B-B14F-4D97-AF65-F5344CB8AC3E}">
-        <p14:creationId xmlns:p14="http://schemas.microsoft.com/office/powerpoint/2010/main" val="1757392199"/>
+        <p14:creationId xmlns:p14="http://schemas.microsoft.com/office/powerpoint/2010/main" val="1016901194"/>
+      </p:ext>
+    </p:extLst>
+  </p:cSld>
+  <p:clrMapOvr>
+    <a:masterClrMapping/>
+  </p:clrMapOvr>
+</p:sld>
+</file>
+
+<file path=ppt/slides/slide6.xml><?xml version="1.0" encoding="utf-8"?>
+<p:sld xmlns:a="http://schemas.openxmlformats.org/drawingml/2006/main" xmlns:r="http://schemas.openxmlformats.org/officeDocument/2006/relationships" xmlns:p="http://schemas.openxmlformats.org/presentationml/2006/main">
+  <p:cSld>
+    <p:spTree>
+      <p:nvGrpSpPr>
+        <p:cNvPr id="1" name=""/>
+        <p:cNvGrpSpPr/>
+        <p:nvPr/>
+      </p:nvGrpSpPr>
+      <p:grpSpPr>
+        <a:xfrm>
+          <a:off x="0" y="0"/>
+          <a:ext cx="0" cy="0"/>
+          <a:chOff x="0" y="0"/>
+          <a:chExt cx="0" cy="0"/>
+        </a:xfrm>
+      </p:grpSpPr>
+      <p:sp>
+        <p:nvSpPr>
+          <p:cNvPr id="2" name="Заголовок 1">
+            <a:extLst>
+              <a:ext uri="{FF2B5EF4-FFF2-40B4-BE49-F238E27FC236}">
+                <a16:creationId xmlns:a16="http://schemas.microsoft.com/office/drawing/2014/main" id="{28DCEDE6-7C7E-427D-B9ED-BAD60B5DD169}"/>
+              </a:ext>
+            </a:extLst>
+          </p:cNvPr>
+          <p:cNvSpPr>
+            <a:spLocks noGrp="1"/>
+          </p:cNvSpPr>
+          <p:nvPr>
+            <p:ph type="title"/>
+          </p:nvPr>
+        </p:nvSpPr>
+        <p:spPr>
+          <a:xfrm>
+            <a:off x="-3109128" y="545712"/>
+            <a:ext cx="18373412" cy="1363242"/>
+          </a:xfrm>
+        </p:spPr>
+        <p:txBody>
+          <a:bodyPr/>
+          <a:lstStyle/>
+          <a:p>
+            <a:r>
+              <a:rPr lang="ru-RU" dirty="0"/>
+              <a:t>                                                                  Конец</a:t>
+            </a:r>
+          </a:p>
+        </p:txBody>
+      </p:sp>
+      <p:sp>
+        <p:nvSpPr>
+          <p:cNvPr id="3" name="Объект 2">
+            <a:extLst>
+              <a:ext uri="{FF2B5EF4-FFF2-40B4-BE49-F238E27FC236}">
+                <a16:creationId xmlns:a16="http://schemas.microsoft.com/office/drawing/2014/main" id="{34C9E4B9-93CB-494C-ABA7-0706E9304D6D}"/>
+              </a:ext>
+            </a:extLst>
+          </p:cNvPr>
+          <p:cNvSpPr>
+            <a:spLocks noGrp="1"/>
+          </p:cNvSpPr>
+          <p:nvPr>
+            <p:ph idx="1"/>
+          </p:nvPr>
+        </p:nvSpPr>
+        <p:spPr/>
+        <p:txBody>
+          <a:bodyPr/>
+          <a:lstStyle/>
+          <a:p>
+            <a:endParaRPr lang="ru-RU"/>
+          </a:p>
+        </p:txBody>
+      </p:sp>
+      <p:pic>
+        <p:nvPicPr>
+          <p:cNvPr id="5122" name="Picture 2" descr="Топ 30 — достопримечательности США">
+            <a:extLst>
+              <a:ext uri="{FF2B5EF4-FFF2-40B4-BE49-F238E27FC236}">
+                <a16:creationId xmlns:a16="http://schemas.microsoft.com/office/drawing/2014/main" id="{1E670FCB-3545-4AA4-83B2-984D981CAE5C}"/>
+              </a:ext>
+            </a:extLst>
+          </p:cNvPr>
+          <p:cNvPicPr>
+            <a:picLocks noChangeAspect="1" noChangeArrowheads="1"/>
+          </p:cNvPicPr>
+          <p:nvPr/>
+        </p:nvPicPr>
+        <p:blipFill>
+          <a:blip r:embed="rId2">
+            <a:extLst>
+              <a:ext uri="{28A0092B-C50C-407E-A947-70E740481C1C}">
+                <a14:useLocalDpi xmlns:a14="http://schemas.microsoft.com/office/drawing/2010/main" val="0"/>
+              </a:ext>
+            </a:extLst>
+          </a:blip>
+          <a:srcRect/>
+          <a:stretch>
+            <a:fillRect/>
+          </a:stretch>
+        </p:blipFill>
+        <p:spPr bwMode="auto">
+          <a:xfrm>
+            <a:off x="1" y="1825624"/>
+            <a:ext cx="12115800" cy="5032376"/>
+          </a:xfrm>
+          <a:prstGeom prst="rect">
+            <a:avLst/>
+          </a:prstGeom>
+          <a:noFill/>
+          <a:extLst>
+            <a:ext uri="{909E8E84-426E-40DD-AFC4-6F175D3DCCD1}">
+              <a14:hiddenFill xmlns:a14="http://schemas.microsoft.com/office/drawing/2010/main">
+                <a:solidFill>
+                  <a:srgbClr val="FFFFFF"/>
+                </a:solidFill>
+              </a14:hiddenFill>
+            </a:ext>
+          </a:extLst>
+        </p:spPr>
+      </p:pic>
+    </p:spTree>
+    <p:extLst>
+      <p:ext uri="{BB962C8B-B14F-4D97-AF65-F5344CB8AC3E}">
+        <p14:creationId xmlns:p14="http://schemas.microsoft.com/office/powerpoint/2010/main" val="2174491752"/>
       </p:ext>
     </p:extLst>
   </p:cSld>
